--- a/slide/Phoenix LiveView & Pubsub for Realtime & Scalable WebApp.pptx
+++ b/slide/Phoenix LiveView & Pubsub for Realtime & Scalable WebApp.pptx
@@ -1,6 +1,6 @@
 
 <file path=ppt/presentation.xml><?xml version="1.0" encoding="utf-8"?>
-<p:presentation xmlns:a="http://schemas.openxmlformats.org/drawingml/2006/main" xmlns:r="http://schemas.openxmlformats.org/officeDocument/2006/relationships" xmlns:mc="http://schemas.openxmlformats.org/markup-compatibility/2006" xmlns:mv="urn:schemas-microsoft-com:mac:vml" xmlns:p="http://schemas.openxmlformats.org/presentationml/2006/main" xmlns:c="http://schemas.openxmlformats.org/drawingml/2006/chart" xmlns:dgm="http://schemas.openxmlformats.org/drawingml/2006/diagram" xmlns:o="urn:schemas-microsoft-com:office:office" xmlns:v="urn:schemas-microsoft-com:vml" xmlns:pvml="urn:schemas-microsoft-com:office:powerpoint" xmlns:com="http://schemas.openxmlformats.org/drawingml/2006/compatibility" xmlns:p14="http://schemas.microsoft.com/office/powerpoint/2010/main" xmlns:p15="http://schemas.microsoft.com/office/powerpoint/2012/main" xmlns:ahyp="http://schemas.microsoft.com/office/drawing/2018/hyperlinkcolor" autoCompressPictures="0" embedTrueTypeFonts="1" strictFirstAndLastChars="0" saveSubsetFonts="1" showSpecialPlsOnTitleSld="0">
+<p:presentation xmlns:a="http://schemas.openxmlformats.org/drawingml/2006/main" xmlns:r="http://schemas.openxmlformats.org/officeDocument/2006/relationships" xmlns:mc="http://schemas.openxmlformats.org/markup-compatibility/2006" xmlns:mv="urn:schemas-microsoft-com:mac:vml" xmlns:p="http://schemas.openxmlformats.org/presentationml/2006/main" xmlns:c="http://schemas.openxmlformats.org/drawingml/2006/chart" xmlns:dgm="http://schemas.openxmlformats.org/drawingml/2006/diagram" xmlns:o="urn:schemas-microsoft-com:office:office" xmlns:v="urn:schemas-microsoft-com:vml" xmlns:pvml="urn:schemas-microsoft-com:office:powerpoint" xmlns:com="http://schemas.openxmlformats.org/drawingml/2006/compatibility" xmlns:p14="http://schemas.microsoft.com/office/powerpoint/2010/main" xmlns:p15="http://schemas.microsoft.com/office/powerpoint/2012/main" xmlns:ahyp="http://schemas.microsoft.com/office/drawing/2018/hyperlinkcolor" autoCompressPictures="0" embedTrueTypeFonts="1" strictFirstAndLastChars="0" saveSubsetFonts="1">
   <p:sldMasterIdLst>
     <p:sldMasterId id="2147483678" r:id="rId4"/>
     <p:sldMasterId id="2147483679" r:id="rId5"/>
@@ -1991,7 +1991,7 @@
   <p:cSld>
     <p:spTree>
       <p:nvGrpSpPr>
-        <p:cNvPr id="332" name="Shape 332"/>
+        <p:cNvPr id="333" name="Shape 333"/>
         <p:cNvGrpSpPr/>
         <p:nvPr/>
       </p:nvGrpSpPr>
@@ -2005,7 +2005,7 @@
       </p:grpSpPr>
       <p:sp>
         <p:nvSpPr>
-          <p:cNvPr id="333" name="Google Shape;333;g26151c24545_2_282:notes"/>
+          <p:cNvPr id="334" name="Google Shape;334;g26151c24545_2_282:notes"/>
           <p:cNvSpPr txBox="1"/>
           <p:nvPr>
             <p:ph idx="1" type="body"/>
@@ -2044,7 +2044,7 @@
       </p:sp>
       <p:sp>
         <p:nvSpPr>
-          <p:cNvPr id="334" name="Google Shape;334;g26151c24545_2_282:notes"/>
+          <p:cNvPr id="335" name="Google Shape;335;g26151c24545_2_282:notes"/>
           <p:cNvSpPr/>
           <p:nvPr>
             <p:ph idx="2" type="sldImg"/>
@@ -2324,7 +2324,7 @@
   <p:cSld>
     <p:spTree>
       <p:nvGrpSpPr>
-        <p:cNvPr id="339" name="Shape 339"/>
+        <p:cNvPr id="340" name="Shape 340"/>
         <p:cNvGrpSpPr/>
         <p:nvPr/>
       </p:nvGrpSpPr>
@@ -2338,7 +2338,7 @@
       </p:grpSpPr>
       <p:sp>
         <p:nvSpPr>
-          <p:cNvPr id="340" name="Google Shape;340;g26151c24545_2_288:notes"/>
+          <p:cNvPr id="341" name="Google Shape;341;g26151c24545_2_288:notes"/>
           <p:cNvSpPr/>
           <p:nvPr>
             <p:ph idx="2" type="sldImg"/>
@@ -2383,7 +2383,7 @@
       </p:sp>
       <p:sp>
         <p:nvSpPr>
-          <p:cNvPr id="341" name="Google Shape;341;g26151c24545_2_288:notes"/>
+          <p:cNvPr id="342" name="Google Shape;342;g26151c24545_2_288:notes"/>
           <p:cNvSpPr txBox="1"/>
           <p:nvPr>
             <p:ph idx="1" type="body"/>
@@ -2441,7 +2441,7 @@
   <p:cSld>
     <p:spTree>
       <p:nvGrpSpPr>
-        <p:cNvPr id="362" name="Shape 362"/>
+        <p:cNvPr id="363" name="Shape 363"/>
         <p:cNvGrpSpPr/>
         <p:nvPr/>
       </p:nvGrpSpPr>
@@ -2455,7 +2455,7 @@
       </p:grpSpPr>
       <p:sp>
         <p:nvSpPr>
-          <p:cNvPr id="363" name="Google Shape;363;g26151c24545_2_310:notes"/>
+          <p:cNvPr id="364" name="Google Shape;364;g26151c24545_2_310:notes"/>
           <p:cNvSpPr/>
           <p:nvPr>
             <p:ph idx="2" type="sldImg"/>
@@ -2500,7 +2500,7 @@
       </p:sp>
       <p:sp>
         <p:nvSpPr>
-          <p:cNvPr id="364" name="Google Shape;364;g26151c24545_2_310:notes"/>
+          <p:cNvPr id="365" name="Google Shape;365;g26151c24545_2_310:notes"/>
           <p:cNvSpPr txBox="1"/>
           <p:nvPr>
             <p:ph idx="1" type="body"/>
@@ -36797,6 +36797,51 @@
           </a:p>
         </p:txBody>
       </p:sp>
+      <p:sp>
+        <p:nvSpPr>
+          <p:cNvPr id="332" name="Google Shape;332;p34"/>
+          <p:cNvSpPr txBox="1"/>
+          <p:nvPr>
+            <p:ph idx="12" type="sldNum"/>
+          </p:nvPr>
+        </p:nvSpPr>
+        <p:spPr>
+          <a:xfrm>
+            <a:off x="7764406" y="221797"/>
+            <a:ext cx="628500" cy="575700"/>
+          </a:xfrm>
+          <a:prstGeom prst="rect">
+            <a:avLst/>
+          </a:prstGeom>
+        </p:spPr>
+        <p:txBody>
+          <a:bodyPr anchorCtr="0" anchor="b" bIns="45700" lIns="91425" spcFirstLastPara="1" rIns="91425" wrap="square" tIns="45700">
+            <a:noAutofit/>
+          </a:bodyPr>
+          <a:lstStyle/>
+          <a:p>
+            <a:pPr indent="0" lvl="0" marL="0" rtl="0" algn="r">
+              <a:spcBef>
+                <a:spcPts val="0"/>
+              </a:spcBef>
+              <a:spcAft>
+                <a:spcPts val="0"/>
+              </a:spcAft>
+              <a:buClr>
+                <a:schemeClr val="dk1"/>
+              </a:buClr>
+              <a:buSzPts val="2100"/>
+              <a:buFont typeface="Century Gothic"/>
+              <a:buNone/>
+            </a:pPr>
+            <a:fld id="{00000000-1234-1234-1234-123412341234}" type="slidenum">
+              <a:rPr lang="en"/>
+              <a:t>‹#›</a:t>
+            </a:fld>
+            <a:endParaRPr/>
+          </a:p>
+        </p:txBody>
+      </p:sp>
     </p:spTree>
   </p:cSld>
   <p:clrMapOvr>
@@ -36929,7 +36974,7 @@
             </a:pPr>
             <a:r>
               <a:rPr lang="en"/>
-              <a:t>Render full html page for the first time.</a:t>
+              <a:t>Render full HTML page for the first time.</a:t>
             </a:r>
             <a:endParaRPr/>
           </a:p>
@@ -36947,7 +36992,38 @@
             </a:pPr>
             <a:r>
               <a:rPr lang="en"/>
-              <a:t>Render diff content for next time.</a:t>
+              <a:t>Render diff HTML for next time. </a:t>
+            </a:r>
+            <a:endParaRPr/>
+          </a:p>
+          <a:p>
+            <a:pPr indent="-342900" lvl="0" marL="457200" rtl="0" algn="l">
+              <a:spcBef>
+                <a:spcPts val="1000"/>
+              </a:spcBef>
+              <a:spcAft>
+                <a:spcPts val="0"/>
+              </a:spcAft>
+              <a:buSzPts val="1040"/>
+              <a:buFont typeface="Noto Sans Symbols"/>
+              <a:buChar char="▪"/>
+            </a:pPr>
+            <a:r>
+              <a:rPr lang="en"/>
+              <a:t>Client use </a:t>
+            </a:r>
+            <a:r>
+              <a:rPr lang="en" u="sng">
+                <a:solidFill>
+                  <a:schemeClr val="hlink"/>
+                </a:solidFill>
+                <a:hlinkClick r:id="rId3"/>
+              </a:rPr>
+              <a:t>morphdom</a:t>
+            </a:r>
+            <a:r>
+              <a:rPr lang="en"/>
+              <a:t> lib for update DOM.</a:t>
             </a:r>
             <a:endParaRPr/>
           </a:p>
@@ -37038,7 +37114,7 @@
           <p:nvPr/>
         </p:nvPicPr>
         <p:blipFill rotWithShape="1">
-          <a:blip r:embed="rId3">
+          <a:blip r:embed="rId4">
             <a:alphaModFix/>
           </a:blip>
           <a:srcRect b="0" l="0" r="0" t="0"/>
@@ -38743,8 +38819,8 @@
         </p:nvSpPr>
         <p:spPr>
           <a:xfrm>
-            <a:off x="92869" y="1795462"/>
-            <a:ext cx="8521700" cy="3416300"/>
+            <a:off x="311094" y="1788887"/>
+            <a:ext cx="8521800" cy="3416400"/>
           </a:xfrm>
           <a:prstGeom prst="rect">
             <a:avLst/>
@@ -38760,14 +38836,14 @@
           </a:bodyPr>
           <a:lstStyle/>
           <a:p>
-            <a:pPr indent="-257175" lvl="0" marL="257175" rtl="0" algn="l">
-              <a:spcBef>
-                <a:spcPts val="0"/>
-              </a:spcBef>
-              <a:spcAft>
-                <a:spcPts val="0"/>
-              </a:spcAft>
-              <a:buSzPts val="1800"/>
+            <a:pPr indent="-219075" lvl="0" marL="257175" rtl="0" algn="l">
+              <a:spcBef>
+                <a:spcPts val="0"/>
+              </a:spcBef>
+              <a:spcAft>
+                <a:spcPts val="0"/>
+              </a:spcAft>
+              <a:buSzPts val="1200"/>
               <a:buFont typeface="Noto Sans Symbols"/>
               <a:buChar char="▪"/>
             </a:pPr>
@@ -38804,14 +38880,14 @@
             <a:endParaRPr/>
           </a:p>
           <a:p>
-            <a:pPr indent="-257175" lvl="0" marL="257175" rtl="0" algn="l">
-              <a:spcBef>
-                <a:spcPts val="0"/>
-              </a:spcBef>
-              <a:spcAft>
-                <a:spcPts val="0"/>
-              </a:spcAft>
-              <a:buSzPts val="1800"/>
+            <a:pPr indent="-219075" lvl="0" marL="257175" rtl="0" algn="l">
+              <a:spcBef>
+                <a:spcPts val="0"/>
+              </a:spcBef>
+              <a:spcAft>
+                <a:spcPts val="0"/>
+              </a:spcAft>
+              <a:buSzPts val="1200"/>
               <a:buFont typeface="Noto Sans Symbols"/>
               <a:buChar char="▪"/>
             </a:pPr>
@@ -39010,20 +39086,20 @@
           </a:bodyPr>
           <a:lstStyle/>
           <a:p>
-            <a:pPr indent="-257175" lvl="0" marL="257175" rtl="0" algn="l">
-              <a:spcBef>
-                <a:spcPts val="0"/>
-              </a:spcBef>
-              <a:spcAft>
-                <a:spcPts val="0"/>
-              </a:spcAft>
-              <a:buSzPts val="1800"/>
+            <a:pPr indent="-219075" lvl="0" marL="257175" rtl="0" algn="l">
+              <a:spcBef>
+                <a:spcPts val="0"/>
+              </a:spcBef>
+              <a:spcAft>
+                <a:spcPts val="0"/>
+              </a:spcAft>
+              <a:buSzPts val="1200"/>
               <a:buFont typeface="Noto Sans Symbols"/>
               <a:buChar char="▪"/>
             </a:pPr>
             <a:r>
               <a:rPr lang="en"/>
-              <a:t>Use PubSub for transporting data between LiveView processes, LiveView and other process and between nodes.</a:t>
+              <a:t>Use PubSub for transporting data between LiveView processes, LiveView and other processes and between nodes.</a:t>
             </a:r>
             <a:endParaRPr/>
           </a:p>
@@ -39045,20 +39121,20 @@
             <a:endParaRPr/>
           </a:p>
           <a:p>
-            <a:pPr indent="-257175" lvl="0" marL="257175" rtl="0" algn="l">
-              <a:spcBef>
-                <a:spcPts val="0"/>
-              </a:spcBef>
-              <a:spcAft>
-                <a:spcPts val="0"/>
-              </a:spcAft>
-              <a:buSzPts val="1800"/>
+            <a:pPr indent="-219075" lvl="0" marL="257175" rtl="0" algn="l">
+              <a:spcBef>
+                <a:spcPts val="0"/>
+              </a:spcBef>
+              <a:spcAft>
+                <a:spcPts val="0"/>
+              </a:spcAft>
+              <a:buSzPts val="1200"/>
               <a:buFont typeface="Noto Sans Symbols"/>
               <a:buChar char="▪"/>
             </a:pPr>
             <a:r>
               <a:rPr lang="en"/>
-              <a:t>LiveView process will subscribe/broadcast message to PubSub.</a:t>
+              <a:t>LiveView process will subscribe/broadcast message from/to PubSub.</a:t>
             </a:r>
             <a:endParaRPr/>
           </a:p>
@@ -39080,20 +39156,20 @@
             <a:endParaRPr/>
           </a:p>
           <a:p>
-            <a:pPr indent="-257175" lvl="0" marL="257175" rtl="0" algn="l">
-              <a:spcBef>
-                <a:spcPts val="0"/>
-              </a:spcBef>
-              <a:spcAft>
-                <a:spcPts val="0"/>
-              </a:spcAft>
-              <a:buSzPts val="1800"/>
+            <a:pPr indent="-219075" lvl="0" marL="257175" rtl="0" algn="l">
+              <a:spcBef>
+                <a:spcPts val="0"/>
+              </a:spcBef>
+              <a:spcAft>
+                <a:spcPts val="0"/>
+              </a:spcAft>
+              <a:buSzPts val="1200"/>
               <a:buFont typeface="Noto Sans Symbols"/>
               <a:buChar char="▪"/>
             </a:pPr>
             <a:r>
               <a:rPr lang="en"/>
-              <a:t>Suitable for async processing.</a:t>
+              <a:t>Suitable for async &amp; scalable data processing.</a:t>
             </a:r>
             <a:endParaRPr/>
           </a:p>
@@ -40217,14 +40293,14 @@
               <a:buNone/>
             </a:pPr>
             <a:r>
-              <a:rPr lang="en" sz="5000">
+              <a:rPr lang="en" sz="4900">
                 <a:solidFill>
                   <a:srgbClr val="FFFFFF"/>
                 </a:solidFill>
               </a:rPr>
               <a:t>Simple flow of events in Demo</a:t>
             </a:r>
-            <a:endParaRPr/>
+            <a:endParaRPr sz="2600"/>
           </a:p>
         </p:txBody>
       </p:sp>
@@ -40721,7 +40797,7 @@
   <p:cSld>
     <p:spTree>
       <p:nvGrpSpPr>
-        <p:cNvPr id="335" name="Shape 335"/>
+        <p:cNvPr id="336" name="Shape 336"/>
         <p:cNvGrpSpPr/>
         <p:nvPr/>
       </p:nvGrpSpPr>
@@ -40735,7 +40811,7 @@
       </p:grpSpPr>
       <p:sp>
         <p:nvSpPr>
-          <p:cNvPr id="336" name="Google Shape;336;p35"/>
+          <p:cNvPr id="337" name="Google Shape;337;p35"/>
           <p:cNvSpPr txBox="1"/>
           <p:nvPr>
             <p:ph type="title"/>
@@ -40784,7 +40860,7 @@
       </p:sp>
       <p:sp>
         <p:nvSpPr>
-          <p:cNvPr id="337" name="Google Shape;337;p35"/>
+          <p:cNvPr id="338" name="Google Shape;338;p35"/>
           <p:cNvSpPr txBox="1"/>
           <p:nvPr>
             <p:ph idx="1" type="body"/>
@@ -41172,7 +41248,7 @@
       </p:sp>
       <p:sp>
         <p:nvSpPr>
-          <p:cNvPr id="338" name="Google Shape;338;p35"/>
+          <p:cNvPr id="339" name="Google Shape;339;p35"/>
           <p:cNvSpPr txBox="1"/>
           <p:nvPr>
             <p:ph idx="12" type="sldNum"/>
@@ -41581,10 +41657,18 @@
               <a:buNone/>
             </a:pPr>
             <a:r>
-              <a:rPr lang="en"/>
+              <a:rPr lang="en">
+                <a:solidFill>
+                  <a:srgbClr val="888888"/>
+                </a:solidFill>
+              </a:rPr>
               <a:t>Next topic?</a:t>
             </a:r>
-            <a:endParaRPr/>
+            <a:endParaRPr>
+              <a:solidFill>
+                <a:srgbClr val="888888"/>
+              </a:solidFill>
+            </a:endParaRPr>
           </a:p>
           <a:p>
             <a:pPr indent="-325755" lvl="0" marL="457200" rtl="0" algn="l">
@@ -41594,14 +41678,25 @@
               <a:spcAft>
                 <a:spcPts val="0"/>
               </a:spcAft>
+              <a:buClr>
+                <a:srgbClr val="888888"/>
+              </a:buClr>
               <a:buSzPts val="1300"/>
               <a:buAutoNum type="arabicPeriod"/>
             </a:pPr>
             <a:r>
-              <a:rPr lang="en"/>
+              <a:rPr lang="en">
+                <a:solidFill>
+                  <a:srgbClr val="888888"/>
+                </a:solidFill>
+              </a:rPr>
               <a:t>Macro(meta programming) in Elixir &amp; how it works?</a:t>
             </a:r>
-            <a:endParaRPr/>
+            <a:endParaRPr>
+              <a:solidFill>
+                <a:srgbClr val="888888"/>
+              </a:solidFill>
+            </a:endParaRPr>
           </a:p>
           <a:p>
             <a:pPr indent="-325755" lvl="0" marL="457200" rtl="0" algn="l">
@@ -41611,14 +41706,25 @@
               <a:spcAft>
                 <a:spcPts val="0"/>
               </a:spcAft>
+              <a:buClr>
+                <a:srgbClr val="888888"/>
+              </a:buClr>
               <a:buSzPts val="1300"/>
               <a:buAutoNum type="arabicPeriod"/>
             </a:pPr>
             <a:r>
-              <a:rPr lang="en"/>
+              <a:rPr lang="en">
+                <a:solidFill>
+                  <a:srgbClr val="888888"/>
+                </a:solidFill>
+              </a:rPr>
               <a:t>Deep dive to Phoenix framework.</a:t>
             </a:r>
-            <a:endParaRPr/>
+            <a:endParaRPr>
+              <a:solidFill>
+                <a:srgbClr val="888888"/>
+              </a:solidFill>
+            </a:endParaRPr>
           </a:p>
           <a:p>
             <a:pPr indent="-325755" lvl="0" marL="457200" rtl="0" algn="l">
@@ -41628,14 +41734,25 @@
               <a:spcAft>
                 <a:spcPts val="0"/>
               </a:spcAft>
+              <a:buClr>
+                <a:srgbClr val="888888"/>
+              </a:buClr>
               <a:buSzPts val="1300"/>
               <a:buAutoNum type="arabicPeriod"/>
             </a:pPr>
             <a:r>
-              <a:rPr lang="en"/>
+              <a:rPr lang="en">
+                <a:solidFill>
+                  <a:srgbClr val="888888"/>
+                </a:solidFill>
+              </a:rPr>
               <a:t>Introduce Nx &amp; Axon. An advantage stack (frontend/backend, data analysis, ML/DL).</a:t>
             </a:r>
-            <a:endParaRPr/>
+            <a:endParaRPr>
+              <a:solidFill>
+                <a:srgbClr val="888888"/>
+              </a:solidFill>
+            </a:endParaRPr>
           </a:p>
           <a:p>
             <a:pPr indent="-325755" lvl="0" marL="457200" rtl="0" algn="l">
@@ -41645,14 +41762,25 @@
               <a:spcAft>
                 <a:spcPts val="0"/>
               </a:spcAft>
+              <a:buClr>
+                <a:srgbClr val="888888"/>
+              </a:buClr>
               <a:buSzPts val="1300"/>
               <a:buAutoNum type="arabicPeriod"/>
             </a:pPr>
             <a:r>
-              <a:rPr lang="en"/>
+              <a:rPr lang="en">
+                <a:solidFill>
+                  <a:srgbClr val="888888"/>
+                </a:solidFill>
+              </a:rPr>
               <a:t>Build a distributed system with Elixir.</a:t>
             </a:r>
-            <a:endParaRPr/>
+            <a:endParaRPr>
+              <a:solidFill>
+                <a:srgbClr val="888888"/>
+              </a:solidFill>
+            </a:endParaRPr>
           </a:p>
           <a:p>
             <a:pPr indent="-325755" lvl="0" marL="457200" rtl="0" algn="l">
@@ -41662,14 +41790,25 @@
               <a:spcAft>
                 <a:spcPts val="0"/>
               </a:spcAft>
+              <a:buClr>
+                <a:srgbClr val="888888"/>
+              </a:buClr>
               <a:buSzPts val="1300"/>
               <a:buAutoNum type="arabicPeriod"/>
             </a:pPr>
             <a:r>
-              <a:rPr lang="en"/>
+              <a:rPr lang="en">
+                <a:solidFill>
+                  <a:srgbClr val="888888"/>
+                </a:solidFill>
+              </a:rPr>
               <a:t>Passwordless authentication &amp; Single Sign On (SSO) solution by WebAuthn &amp; OAuth2 (demo with Elixir).</a:t>
             </a:r>
-            <a:endParaRPr/>
+            <a:endParaRPr>
+              <a:solidFill>
+                <a:srgbClr val="888888"/>
+              </a:solidFill>
+            </a:endParaRPr>
           </a:p>
           <a:p>
             <a:pPr indent="0" lvl="0" marL="0" rtl="0" algn="l">
@@ -41683,10 +41822,18 @@
               <a:buNone/>
             </a:pPr>
             <a:r>
-              <a:rPr lang="en"/>
+              <a:rPr lang="en">
+                <a:solidFill>
+                  <a:srgbClr val="888888"/>
+                </a:solidFill>
+              </a:rPr>
               <a:t>Or somethings else?</a:t>
             </a:r>
-            <a:endParaRPr/>
+            <a:endParaRPr>
+              <a:solidFill>
+                <a:srgbClr val="888888"/>
+              </a:solidFill>
+            </a:endParaRPr>
           </a:p>
         </p:txBody>
       </p:sp>
@@ -41710,7 +41857,7 @@
     </p:bg>
     <p:spTree>
       <p:nvGrpSpPr>
-        <p:cNvPr id="342" name="Shape 342"/>
+        <p:cNvPr id="343" name="Shape 343"/>
         <p:cNvGrpSpPr/>
         <p:nvPr/>
       </p:nvGrpSpPr>
@@ -41724,7 +41871,7 @@
       </p:grpSpPr>
       <p:grpSp>
         <p:nvGrpSpPr>
-          <p:cNvPr id="343" name="Google Shape;343;p36"/>
+          <p:cNvPr id="344" name="Google Shape;344;p36"/>
           <p:cNvGrpSpPr/>
           <p:nvPr/>
         </p:nvGrpSpPr>
@@ -41738,7 +41885,7 @@
         </p:grpSpPr>
         <p:sp>
           <p:nvSpPr>
-            <p:cNvPr id="344" name="Google Shape;344;p36"/>
+            <p:cNvPr id="345" name="Google Shape;345;p36"/>
             <p:cNvSpPr/>
             <p:nvPr/>
           </p:nvSpPr>
@@ -41794,7 +41941,7 @@
         </p:sp>
         <p:sp>
           <p:nvSpPr>
-            <p:cNvPr id="345" name="Google Shape;345;p36"/>
+            <p:cNvPr id="346" name="Google Shape;346;p36"/>
             <p:cNvSpPr/>
             <p:nvPr/>
           </p:nvSpPr>
@@ -41870,7 +42017,7 @@
         </p:sp>
         <p:sp>
           <p:nvSpPr>
-            <p:cNvPr id="346" name="Google Shape;346;p36"/>
+            <p:cNvPr id="347" name="Google Shape;347;p36"/>
             <p:cNvSpPr/>
             <p:nvPr/>
           </p:nvSpPr>
@@ -41946,7 +42093,7 @@
         </p:sp>
         <p:sp>
           <p:nvSpPr>
-            <p:cNvPr id="347" name="Google Shape;347;p36"/>
+            <p:cNvPr id="348" name="Google Shape;348;p36"/>
             <p:cNvSpPr/>
             <p:nvPr/>
           </p:nvSpPr>
@@ -42022,7 +42169,7 @@
         </p:sp>
         <p:sp>
           <p:nvSpPr>
-            <p:cNvPr id="348" name="Google Shape;348;p36"/>
+            <p:cNvPr id="349" name="Google Shape;349;p36"/>
             <p:cNvSpPr/>
             <p:nvPr/>
           </p:nvSpPr>
@@ -42098,7 +42245,7 @@
         </p:sp>
         <p:sp>
           <p:nvSpPr>
-            <p:cNvPr id="349" name="Google Shape;349;p36"/>
+            <p:cNvPr id="350" name="Google Shape;350;p36"/>
             <p:cNvSpPr/>
             <p:nvPr/>
           </p:nvSpPr>
@@ -42174,7 +42321,7 @@
         </p:sp>
         <p:sp>
           <p:nvSpPr>
-            <p:cNvPr id="350" name="Google Shape;350;p36"/>
+            <p:cNvPr id="351" name="Google Shape;351;p36"/>
             <p:cNvSpPr/>
             <p:nvPr/>
           </p:nvSpPr>
@@ -42346,7 +42493,7 @@
         </p:sp>
         <p:sp>
           <p:nvSpPr>
-            <p:cNvPr id="351" name="Google Shape;351;p36"/>
+            <p:cNvPr id="352" name="Google Shape;352;p36"/>
             <p:cNvSpPr/>
             <p:nvPr/>
           </p:nvSpPr>
@@ -42555,7 +42702,7 @@
         </p:sp>
         <p:sp>
           <p:nvSpPr>
-            <p:cNvPr id="352" name="Google Shape;352;p36"/>
+            <p:cNvPr id="353" name="Google Shape;353;p36"/>
             <p:cNvSpPr/>
             <p:nvPr/>
           </p:nvSpPr>
@@ -42643,7 +42790,7 @@
       </p:grpSp>
       <p:sp>
         <p:nvSpPr>
-          <p:cNvPr id="353" name="Google Shape;353;p36"/>
+          <p:cNvPr id="354" name="Google Shape;354;p36"/>
           <p:cNvSpPr/>
           <p:nvPr/>
         </p:nvSpPr>
@@ -42701,7 +42848,7 @@
       </p:sp>
       <p:sp>
         <p:nvSpPr>
-          <p:cNvPr id="354" name="Google Shape;354;p36"/>
+          <p:cNvPr id="355" name="Google Shape;355;p36"/>
           <p:cNvSpPr/>
           <p:nvPr/>
         </p:nvSpPr>
@@ -42752,7 +42899,7 @@
       </p:sp>
       <p:sp>
         <p:nvSpPr>
-          <p:cNvPr id="355" name="Google Shape;355;p36"/>
+          <p:cNvPr id="356" name="Google Shape;356;p36"/>
           <p:cNvSpPr/>
           <p:nvPr/>
         </p:nvSpPr>
@@ -42808,7 +42955,7 @@
       </p:sp>
       <p:sp>
         <p:nvSpPr>
-          <p:cNvPr id="356" name="Google Shape;356;p36"/>
+          <p:cNvPr id="357" name="Google Shape;357;p36"/>
           <p:cNvSpPr/>
           <p:nvPr/>
         </p:nvSpPr>
@@ -42980,7 +43127,7 @@
       </p:sp>
       <p:sp>
         <p:nvSpPr>
-          <p:cNvPr id="357" name="Google Shape;357;p36"/>
+          <p:cNvPr id="358" name="Google Shape;358;p36"/>
           <p:cNvSpPr/>
           <p:nvPr/>
         </p:nvSpPr>
@@ -43192,7 +43339,7 @@
       </p:sp>
       <p:sp>
         <p:nvSpPr>
-          <p:cNvPr id="358" name="Google Shape;358;p36"/>
+          <p:cNvPr id="359" name="Google Shape;359;p36"/>
           <p:cNvSpPr/>
           <p:nvPr/>
         </p:nvSpPr>
@@ -43279,7 +43426,7 @@
       </p:sp>
       <p:sp>
         <p:nvSpPr>
-          <p:cNvPr id="359" name="Google Shape;359;p36"/>
+          <p:cNvPr id="360" name="Google Shape;360;p36"/>
           <p:cNvSpPr txBox="1"/>
           <p:nvPr>
             <p:ph type="title"/>
@@ -43332,7 +43479,7 @@
       </p:sp>
       <p:sp>
         <p:nvSpPr>
-          <p:cNvPr id="360" name="Google Shape;360;p36"/>
+          <p:cNvPr id="361" name="Google Shape;361;p36"/>
           <p:cNvSpPr txBox="1"/>
           <p:nvPr>
             <p:ph idx="1" type="body"/>
@@ -43530,7 +43677,7 @@
       </p:sp>
       <p:sp>
         <p:nvSpPr>
-          <p:cNvPr id="361" name="Google Shape;361;p36"/>
+          <p:cNvPr id="362" name="Google Shape;362;p36"/>
           <p:cNvSpPr txBox="1"/>
           <p:nvPr>
             <p:ph idx="12" type="sldNum"/>
@@ -43601,7 +43748,7 @@
   <p:cSld>
     <p:spTree>
       <p:nvGrpSpPr>
-        <p:cNvPr id="365" name="Shape 365"/>
+        <p:cNvPr id="366" name="Shape 366"/>
         <p:cNvGrpSpPr/>
         <p:nvPr/>
       </p:nvGrpSpPr>
@@ -43615,7 +43762,7 @@
       </p:grpSpPr>
       <p:sp>
         <p:nvSpPr>
-          <p:cNvPr id="366" name="Google Shape;366;p37"/>
+          <p:cNvPr id="367" name="Google Shape;367;p37"/>
           <p:cNvSpPr txBox="1"/>
           <p:nvPr>
             <p:ph type="title"/>
@@ -43679,7 +43826,7 @@
       </p:sp>
       <p:sp>
         <p:nvSpPr>
-          <p:cNvPr id="367" name="Google Shape;367;p37"/>
+          <p:cNvPr id="368" name="Google Shape;368;p37"/>
           <p:cNvSpPr txBox="1"/>
           <p:nvPr>
             <p:ph idx="1" type="body"/>
@@ -43717,7 +43864,7 @@
             </a:pPr>
             <a:r>
               <a:rPr lang="en"/>
-              <a:t>Render full html page for the first time.</a:t>
+              <a:t>Stateful (on one process), for easy develop.</a:t>
             </a:r>
             <a:endParaRPr/>
           </a:p>
@@ -43735,7 +43882,11 @@
             </a:pPr>
             <a:r>
               <a:rPr lang="en"/>
-              <a:t>Render diff content for next time.</a:t>
+              <a:t>Difference with regular Phoenix page(MVC)</a:t>
+            </a:r>
+            <a:r>
+              <a:rPr lang="en"/>
+              <a:t>.</a:t>
             </a:r>
             <a:endParaRPr/>
           </a:p>
@@ -43753,7 +43904,24 @@
             </a:pPr>
             <a:r>
               <a:rPr lang="en"/>
-              <a:t>Uses EEx engine to evaluate code in inside string.</a:t>
+              <a:t>Server-rendered HTML.</a:t>
+            </a:r>
+            <a:endParaRPr/>
+          </a:p>
+          <a:p>
+            <a:pPr indent="-340360" lvl="0" marL="457200" rtl="0" algn="l">
+              <a:spcBef>
+                <a:spcPts val="1000"/>
+              </a:spcBef>
+              <a:spcAft>
+                <a:spcPts val="0"/>
+              </a:spcAft>
+              <a:buSzPts val="1000"/>
+              <a:buChar char="▪"/>
+            </a:pPr>
+            <a:r>
+              <a:rPr lang="en"/>
+              <a:t> Fault tolerance already (yes, we can sleep well).</a:t>
             </a:r>
             <a:endParaRPr/>
           </a:p>
@@ -43761,7 +43929,7 @@
       </p:sp>
       <p:sp>
         <p:nvSpPr>
-          <p:cNvPr id="368" name="Google Shape;368;p37"/>
+          <p:cNvPr id="369" name="Google Shape;369;p37"/>
           <p:cNvSpPr txBox="1"/>
           <p:nvPr>
             <p:ph idx="12" type="sldNum"/>
@@ -43819,42 +43987,6 @@
           </a:p>
         </p:txBody>
       </p:sp>
-      <p:pic>
-        <p:nvPicPr>
-          <p:cNvPr id="369" name="Google Shape;369;p37"/>
-          <p:cNvPicPr preferRelativeResize="0"/>
-          <p:nvPr/>
-        </p:nvPicPr>
-        <p:blipFill rotWithShape="1">
-          <a:blip r:embed="rId3">
-            <a:alphaModFix/>
-          </a:blip>
-          <a:srcRect b="0" l="0" r="0" t="0"/>
-          <a:stretch/>
-        </p:blipFill>
-        <p:spPr>
-          <a:xfrm>
-            <a:off x="5099049" y="2788142"/>
-            <a:ext cx="3258768" cy="888014"/>
-          </a:xfrm>
-          <a:prstGeom prst="roundRect">
-            <a:avLst>
-              <a:gd fmla="val 1858" name="adj"/>
-            </a:avLst>
-          </a:prstGeom>
-          <a:noFill/>
-          <a:ln>
-            <a:noFill/>
-          </a:ln>
-          <a:effectLst>
-            <a:outerShdw blurRad="50800" rotWithShape="0" algn="tl" dir="5400000" dist="50800">
-              <a:srgbClr val="000000">
-                <a:alpha val="42745"/>
-              </a:srgbClr>
-            </a:outerShdw>
-          </a:effectLst>
-        </p:spPr>
-      </p:pic>
     </p:spTree>
   </p:cSld>
   <p:clrMapOvr>
@@ -45502,6 +45634,18 @@
                 <a:buNone/>
               </a:pPr>
               <a:r>
+                <a:rPr lang="en" sz="1600">
+                  <a:solidFill>
+                    <a:schemeClr val="lt1"/>
+                  </a:solidFill>
+                  <a:latin typeface="Century Gothic"/>
+                  <a:ea typeface="Century Gothic"/>
+                  <a:cs typeface="Century Gothic"/>
+                  <a:sym typeface="Century Gothic"/>
+                </a:rPr>
+                <a:t>T</a:t>
+              </a:r>
+              <a:r>
                 <a:rPr b="0" i="0" lang="en" sz="1600">
                   <a:solidFill>
                     <a:schemeClr val="lt1"/>
@@ -45511,7 +45655,31 @@
                   <a:cs typeface="Century Gothic"/>
                   <a:sym typeface="Century Gothic"/>
                 </a:rPr>
-                <a:t>LiveView has three main event:</a:t>
+                <a:t>hree main callbacks </a:t>
+              </a:r>
+              <a:r>
+                <a:rPr lang="en" sz="1600">
+                  <a:solidFill>
+                    <a:schemeClr val="lt1"/>
+                  </a:solidFill>
+                  <a:latin typeface="Century Gothic"/>
+                  <a:ea typeface="Century Gothic"/>
+                  <a:cs typeface="Century Gothic"/>
+                  <a:sym typeface="Century Gothic"/>
+                </a:rPr>
+                <a:t>for </a:t>
+              </a:r>
+              <a:r>
+                <a:rPr b="0" i="0" lang="en" sz="1600">
+                  <a:solidFill>
+                    <a:schemeClr val="lt1"/>
+                  </a:solidFill>
+                  <a:latin typeface="Century Gothic"/>
+                  <a:ea typeface="Century Gothic"/>
+                  <a:cs typeface="Century Gothic"/>
+                  <a:sym typeface="Century Gothic"/>
+                </a:rPr>
+                <a:t>handle events:</a:t>
               </a:r>
               <a:endParaRPr sz="1600">
                 <a:solidFill>
@@ -46353,6 +46521,285 @@
 </file>
 
 <file path=ppt/theme/theme1.xml><?xml version="1.0" encoding="utf-8"?>
+<a:theme xmlns:a="http://schemas.openxmlformats.org/drawingml/2006/main" xmlns:r="http://schemas.openxmlformats.org/officeDocument/2006/relationships">
+  <a:themeElements>
+    <a:clrScheme name="Default">
+      <a:dk1>
+        <a:srgbClr val="000000"/>
+      </a:dk1>
+      <a:lt1>
+        <a:srgbClr val="FFFFFF"/>
+      </a:lt1>
+      <a:dk2>
+        <a:srgbClr val="158158"/>
+      </a:dk2>
+      <a:lt2>
+        <a:srgbClr val="F3F3F3"/>
+      </a:lt2>
+      <a:accent1>
+        <a:srgbClr val="058DC7"/>
+      </a:accent1>
+      <a:accent2>
+        <a:srgbClr val="50B432"/>
+      </a:accent2>
+      <a:accent3>
+        <a:srgbClr val="ED561B"/>
+      </a:accent3>
+      <a:accent4>
+        <a:srgbClr val="EDEF00"/>
+      </a:accent4>
+      <a:accent5>
+        <a:srgbClr val="24CBE5"/>
+      </a:accent5>
+      <a:accent6>
+        <a:srgbClr val="64E572"/>
+      </a:accent6>
+      <a:hlink>
+        <a:srgbClr val="2200CC"/>
+      </a:hlink>
+      <a:folHlink>
+        <a:srgbClr val="551A8B"/>
+      </a:folHlink>
+    </a:clrScheme>
+    <a:fontScheme name="Office">
+      <a:majorFont>
+        <a:latin typeface="Arial"/>
+        <a:ea typeface=""/>
+        <a:cs typeface=""/>
+        <a:font script="Jpan" typeface="ＭＳ Ｐゴシック"/>
+        <a:font script="Hang" typeface="맑은 고딕"/>
+        <a:font script="Hans" typeface="宋体"/>
+        <a:font script="Hant" typeface="新細明體"/>
+        <a:font script="Arab" typeface="Times New Roman"/>
+        <a:font script="Hebr" typeface="Times New Roman"/>
+        <a:font script="Thai" typeface="Angsana New"/>
+        <a:font script="Ethi" typeface="Nyala"/>
+        <a:font script="Beng" typeface="Vrinda"/>
+        <a:font script="Gujr" typeface="Shruti"/>
+        <a:font script="Khmr" typeface="MoolBoran"/>
+        <a:font script="Knda" typeface="Tunga"/>
+        <a:font script="Guru" typeface="Raavi"/>
+        <a:font script="Cans" typeface="Euphemia"/>
+        <a:font script="Cher" typeface="Plantagenet Cherokee"/>
+        <a:font script="Yiii" typeface="Microsoft Yi Baiti"/>
+        <a:font script="Tibt" typeface="Microsoft Himalaya"/>
+        <a:font script="Thaa" typeface="MV Boli"/>
+        <a:font script="Deva" typeface="Mangal"/>
+        <a:font script="Telu" typeface="Gautami"/>
+        <a:font script="Taml" typeface="Latha"/>
+        <a:font script="Syrc" typeface="Estrangelo Edessa"/>
+        <a:font script="Orya" typeface="Kalinga"/>
+        <a:font script="Mlym" typeface="Kartika"/>
+        <a:font script="Laoo" typeface="DokChampa"/>
+        <a:font script="Sinh" typeface="Iskoola Pota"/>
+        <a:font script="Mong" typeface="Mongolian Baiti"/>
+        <a:font script="Viet" typeface="Times New Roman"/>
+        <a:font script="Uigh" typeface="Microsoft Uighur"/>
+        <a:font script="Geor" typeface="Sylfaen"/>
+      </a:majorFont>
+      <a:minorFont>
+        <a:latin typeface="Arial"/>
+        <a:ea typeface=""/>
+        <a:cs typeface=""/>
+        <a:font script="Jpan" typeface="ＭＳ Ｐゴシック"/>
+        <a:font script="Hang" typeface="맑은 고딕"/>
+        <a:font script="Hans" typeface="宋体"/>
+        <a:font script="Hant" typeface="新細明體"/>
+        <a:font script="Arab" typeface="Arial"/>
+        <a:font script="Hebr" typeface="Arial"/>
+        <a:font script="Thai" typeface="Cordia New"/>
+        <a:font script="Ethi" typeface="Nyala"/>
+        <a:font script="Beng" typeface="Vrinda"/>
+        <a:font script="Gujr" typeface="Shruti"/>
+        <a:font script="Khmr" typeface="DaunPenh"/>
+        <a:font script="Knda" typeface="Tunga"/>
+        <a:font script="Guru" typeface="Raavi"/>
+        <a:font script="Cans" typeface="Euphemia"/>
+        <a:font script="Cher" typeface="Plantagenet Cherokee"/>
+        <a:font script="Yiii" typeface="Microsoft Yi Baiti"/>
+        <a:font script="Tibt" typeface="Microsoft Himalaya"/>
+        <a:font script="Thaa" typeface="MV Boli"/>
+        <a:font script="Deva" typeface="Mangal"/>
+        <a:font script="Telu" typeface="Gautami"/>
+        <a:font script="Taml" typeface="Latha"/>
+        <a:font script="Syrc" typeface="Estrangelo Edessa"/>
+        <a:font script="Orya" typeface="Kalinga"/>
+        <a:font script="Mlym" typeface="Kartika"/>
+        <a:font script="Laoo" typeface="DokChampa"/>
+        <a:font script="Sinh" typeface="Iskoola Pota"/>
+        <a:font script="Mong" typeface="Mongolian Baiti"/>
+        <a:font script="Viet" typeface="Arial"/>
+        <a:font script="Uigh" typeface="Microsoft Uighur"/>
+        <a:font script="Geor" typeface="Sylfaen"/>
+      </a:minorFont>
+    </a:fontScheme>
+    <a:fmtScheme name="Office">
+      <a:fillStyleLst>
+        <a:solidFill>
+          <a:schemeClr val="phClr"/>
+        </a:solidFill>
+        <a:gradFill rotWithShape="1">
+          <a:gsLst>
+            <a:gs pos="0">
+              <a:schemeClr val="phClr">
+                <a:tint val="50000"/>
+                <a:satMod val="300000"/>
+              </a:schemeClr>
+            </a:gs>
+            <a:gs pos="35000">
+              <a:schemeClr val="phClr">
+                <a:tint val="37000"/>
+                <a:satMod val="300000"/>
+              </a:schemeClr>
+            </a:gs>
+            <a:gs pos="100000">
+              <a:schemeClr val="phClr">
+                <a:tint val="15000"/>
+                <a:satMod val="350000"/>
+              </a:schemeClr>
+            </a:gs>
+          </a:gsLst>
+          <a:lin ang="16200000" scaled="1"/>
+        </a:gradFill>
+        <a:gradFill rotWithShape="1">
+          <a:gsLst>
+            <a:gs pos="0">
+              <a:schemeClr val="phClr">
+                <a:tint val="100000"/>
+                <a:shade val="100000"/>
+                <a:satMod val="130000"/>
+              </a:schemeClr>
+            </a:gs>
+            <a:gs pos="100000">
+              <a:schemeClr val="phClr">
+                <a:tint val="50000"/>
+                <a:shade val="100000"/>
+                <a:satMod val="350000"/>
+              </a:schemeClr>
+            </a:gs>
+          </a:gsLst>
+          <a:lin ang="16200000" scaled="0"/>
+        </a:gradFill>
+      </a:fillStyleLst>
+      <a:lnStyleLst>
+        <a:ln w="9525" cap="flat" cmpd="sng" algn="ctr">
+          <a:solidFill>
+            <a:schemeClr val="phClr">
+              <a:shade val="95000"/>
+              <a:satMod val="105000"/>
+            </a:schemeClr>
+          </a:solidFill>
+          <a:prstDash val="solid"/>
+        </a:ln>
+        <a:ln w="25400" cap="flat" cmpd="sng" algn="ctr">
+          <a:solidFill>
+            <a:schemeClr val="phClr"/>
+          </a:solidFill>
+          <a:prstDash val="solid"/>
+        </a:ln>
+        <a:ln w="38100" cap="flat" cmpd="sng" algn="ctr">
+          <a:solidFill>
+            <a:schemeClr val="phClr"/>
+          </a:solidFill>
+          <a:prstDash val="solid"/>
+        </a:ln>
+      </a:lnStyleLst>
+      <a:effectStyleLst>
+        <a:effectStyle>
+          <a:effectLst>
+            <a:outerShdw blurRad="40000" dist="20000" dir="5400000" rotWithShape="0">
+              <a:srgbClr val="000000">
+                <a:alpha val="38000"/>
+              </a:srgbClr>
+            </a:outerShdw>
+          </a:effectLst>
+        </a:effectStyle>
+        <a:effectStyle>
+          <a:effectLst>
+            <a:outerShdw blurRad="40000" dist="23000" dir="5400000" rotWithShape="0">
+              <a:srgbClr val="000000">
+                <a:alpha val="35000"/>
+              </a:srgbClr>
+            </a:outerShdw>
+          </a:effectLst>
+        </a:effectStyle>
+        <a:effectStyle>
+          <a:effectLst>
+            <a:outerShdw blurRad="40000" dist="23000" dir="5400000" rotWithShape="0">
+              <a:srgbClr val="000000">
+                <a:alpha val="35000"/>
+              </a:srgbClr>
+            </a:outerShdw>
+          </a:effectLst>
+          <a:scene3d>
+            <a:camera prst="orthographicFront">
+              <a:rot lat="0" lon="0" rev="0"/>
+            </a:camera>
+            <a:lightRig rig="threePt" dir="t">
+              <a:rot lat="0" lon="0" rev="1200000"/>
+            </a:lightRig>
+          </a:scene3d>
+          <a:sp3d>
+            <a:bevelT w="63500" h="25400"/>
+          </a:sp3d>
+        </a:effectStyle>
+      </a:effectStyleLst>
+      <a:bgFillStyleLst>
+        <a:solidFill>
+          <a:schemeClr val="phClr"/>
+        </a:solidFill>
+        <a:gradFill rotWithShape="1">
+          <a:gsLst>
+            <a:gs pos="0">
+              <a:schemeClr val="phClr">
+                <a:tint val="40000"/>
+                <a:satMod val="350000"/>
+              </a:schemeClr>
+            </a:gs>
+            <a:gs pos="40000">
+              <a:schemeClr val="phClr">
+                <a:tint val="45000"/>
+                <a:shade val="99000"/>
+                <a:satMod val="350000"/>
+              </a:schemeClr>
+            </a:gs>
+            <a:gs pos="100000">
+              <a:schemeClr val="phClr">
+                <a:shade val="20000"/>
+                <a:satMod val="255000"/>
+              </a:schemeClr>
+            </a:gs>
+          </a:gsLst>
+          <a:path path="circle">
+            <a:fillToRect l="50000" t="-80000" r="50000" b="180000"/>
+          </a:path>
+        </a:gradFill>
+        <a:gradFill rotWithShape="1">
+          <a:gsLst>
+            <a:gs pos="0">
+              <a:schemeClr val="phClr">
+                <a:tint val="80000"/>
+                <a:satMod val="300000"/>
+              </a:schemeClr>
+            </a:gs>
+            <a:gs pos="100000">
+              <a:schemeClr val="phClr">
+                <a:shade val="30000"/>
+                <a:satMod val="200000"/>
+              </a:schemeClr>
+            </a:gs>
+          </a:gsLst>
+          <a:path path="circle">
+            <a:fillToRect l="50000" t="50000" r="50000" b="50000"/>
+          </a:path>
+        </a:gradFill>
+      </a:bgFillStyleLst>
+    </a:fmtScheme>
+  </a:themeElements>
+</a:theme>
+</file>
+
+<file path=ppt/theme/theme2.xml><?xml version="1.0" encoding="utf-8"?>
 <a:theme xmlns:a="http://schemas.openxmlformats.org/drawingml/2006/main" xmlns:r="http://schemas.openxmlformats.org/officeDocument/2006/relationships" name="Ion Boardroom">
   <a:themeElements>
     <a:clrScheme name="Ion Boardroom">
@@ -46631,7 +47078,7 @@
 </a:theme>
 </file>
 
-<file path=ppt/theme/theme2.xml><?xml version="1.0" encoding="utf-8"?>
+<file path=ppt/theme/theme3.xml><?xml version="1.0" encoding="utf-8"?>
 <a:theme xmlns:a="http://schemas.openxmlformats.org/drawingml/2006/main" xmlns:r="http://schemas.openxmlformats.org/officeDocument/2006/relationships" name="Simple Light">
   <a:themeElements>
     <a:clrScheme name="Simple Light">
@@ -46670,285 +47117,6 @@
       </a:hlink>
       <a:folHlink>
         <a:srgbClr val="0097A7"/>
-      </a:folHlink>
-    </a:clrScheme>
-    <a:fontScheme name="Office">
-      <a:majorFont>
-        <a:latin typeface="Arial"/>
-        <a:ea typeface=""/>
-        <a:cs typeface=""/>
-        <a:font script="Jpan" typeface="ＭＳ Ｐゴシック"/>
-        <a:font script="Hang" typeface="맑은 고딕"/>
-        <a:font script="Hans" typeface="宋体"/>
-        <a:font script="Hant" typeface="新細明體"/>
-        <a:font script="Arab" typeface="Times New Roman"/>
-        <a:font script="Hebr" typeface="Times New Roman"/>
-        <a:font script="Thai" typeface="Angsana New"/>
-        <a:font script="Ethi" typeface="Nyala"/>
-        <a:font script="Beng" typeface="Vrinda"/>
-        <a:font script="Gujr" typeface="Shruti"/>
-        <a:font script="Khmr" typeface="MoolBoran"/>
-        <a:font script="Knda" typeface="Tunga"/>
-        <a:font script="Guru" typeface="Raavi"/>
-        <a:font script="Cans" typeface="Euphemia"/>
-        <a:font script="Cher" typeface="Plantagenet Cherokee"/>
-        <a:font script="Yiii" typeface="Microsoft Yi Baiti"/>
-        <a:font script="Tibt" typeface="Microsoft Himalaya"/>
-        <a:font script="Thaa" typeface="MV Boli"/>
-        <a:font script="Deva" typeface="Mangal"/>
-        <a:font script="Telu" typeface="Gautami"/>
-        <a:font script="Taml" typeface="Latha"/>
-        <a:font script="Syrc" typeface="Estrangelo Edessa"/>
-        <a:font script="Orya" typeface="Kalinga"/>
-        <a:font script="Mlym" typeface="Kartika"/>
-        <a:font script="Laoo" typeface="DokChampa"/>
-        <a:font script="Sinh" typeface="Iskoola Pota"/>
-        <a:font script="Mong" typeface="Mongolian Baiti"/>
-        <a:font script="Viet" typeface="Times New Roman"/>
-        <a:font script="Uigh" typeface="Microsoft Uighur"/>
-        <a:font script="Geor" typeface="Sylfaen"/>
-      </a:majorFont>
-      <a:minorFont>
-        <a:latin typeface="Arial"/>
-        <a:ea typeface=""/>
-        <a:cs typeface=""/>
-        <a:font script="Jpan" typeface="ＭＳ Ｐゴシック"/>
-        <a:font script="Hang" typeface="맑은 고딕"/>
-        <a:font script="Hans" typeface="宋体"/>
-        <a:font script="Hant" typeface="新細明體"/>
-        <a:font script="Arab" typeface="Arial"/>
-        <a:font script="Hebr" typeface="Arial"/>
-        <a:font script="Thai" typeface="Cordia New"/>
-        <a:font script="Ethi" typeface="Nyala"/>
-        <a:font script="Beng" typeface="Vrinda"/>
-        <a:font script="Gujr" typeface="Shruti"/>
-        <a:font script="Khmr" typeface="DaunPenh"/>
-        <a:font script="Knda" typeface="Tunga"/>
-        <a:font script="Guru" typeface="Raavi"/>
-        <a:font script="Cans" typeface="Euphemia"/>
-        <a:font script="Cher" typeface="Plantagenet Cherokee"/>
-        <a:font script="Yiii" typeface="Microsoft Yi Baiti"/>
-        <a:font script="Tibt" typeface="Microsoft Himalaya"/>
-        <a:font script="Thaa" typeface="MV Boli"/>
-        <a:font script="Deva" typeface="Mangal"/>
-        <a:font script="Telu" typeface="Gautami"/>
-        <a:font script="Taml" typeface="Latha"/>
-        <a:font script="Syrc" typeface="Estrangelo Edessa"/>
-        <a:font script="Orya" typeface="Kalinga"/>
-        <a:font script="Mlym" typeface="Kartika"/>
-        <a:font script="Laoo" typeface="DokChampa"/>
-        <a:font script="Sinh" typeface="Iskoola Pota"/>
-        <a:font script="Mong" typeface="Mongolian Baiti"/>
-        <a:font script="Viet" typeface="Arial"/>
-        <a:font script="Uigh" typeface="Microsoft Uighur"/>
-        <a:font script="Geor" typeface="Sylfaen"/>
-      </a:minorFont>
-    </a:fontScheme>
-    <a:fmtScheme name="Office">
-      <a:fillStyleLst>
-        <a:solidFill>
-          <a:schemeClr val="phClr"/>
-        </a:solidFill>
-        <a:gradFill rotWithShape="1">
-          <a:gsLst>
-            <a:gs pos="0">
-              <a:schemeClr val="phClr">
-                <a:tint val="50000"/>
-                <a:satMod val="300000"/>
-              </a:schemeClr>
-            </a:gs>
-            <a:gs pos="35000">
-              <a:schemeClr val="phClr">
-                <a:tint val="37000"/>
-                <a:satMod val="300000"/>
-              </a:schemeClr>
-            </a:gs>
-            <a:gs pos="100000">
-              <a:schemeClr val="phClr">
-                <a:tint val="15000"/>
-                <a:satMod val="350000"/>
-              </a:schemeClr>
-            </a:gs>
-          </a:gsLst>
-          <a:lin ang="16200000" scaled="1"/>
-        </a:gradFill>
-        <a:gradFill rotWithShape="1">
-          <a:gsLst>
-            <a:gs pos="0">
-              <a:schemeClr val="phClr">
-                <a:tint val="100000"/>
-                <a:shade val="100000"/>
-                <a:satMod val="130000"/>
-              </a:schemeClr>
-            </a:gs>
-            <a:gs pos="100000">
-              <a:schemeClr val="phClr">
-                <a:tint val="50000"/>
-                <a:shade val="100000"/>
-                <a:satMod val="350000"/>
-              </a:schemeClr>
-            </a:gs>
-          </a:gsLst>
-          <a:lin ang="16200000" scaled="0"/>
-        </a:gradFill>
-      </a:fillStyleLst>
-      <a:lnStyleLst>
-        <a:ln w="9525" cap="flat" cmpd="sng" algn="ctr">
-          <a:solidFill>
-            <a:schemeClr val="phClr">
-              <a:shade val="95000"/>
-              <a:satMod val="105000"/>
-            </a:schemeClr>
-          </a:solidFill>
-          <a:prstDash val="solid"/>
-        </a:ln>
-        <a:ln w="25400" cap="flat" cmpd="sng" algn="ctr">
-          <a:solidFill>
-            <a:schemeClr val="phClr"/>
-          </a:solidFill>
-          <a:prstDash val="solid"/>
-        </a:ln>
-        <a:ln w="38100" cap="flat" cmpd="sng" algn="ctr">
-          <a:solidFill>
-            <a:schemeClr val="phClr"/>
-          </a:solidFill>
-          <a:prstDash val="solid"/>
-        </a:ln>
-      </a:lnStyleLst>
-      <a:effectStyleLst>
-        <a:effectStyle>
-          <a:effectLst>
-            <a:outerShdw blurRad="40000" dist="20000" dir="5400000" rotWithShape="0">
-              <a:srgbClr val="000000">
-                <a:alpha val="38000"/>
-              </a:srgbClr>
-            </a:outerShdw>
-          </a:effectLst>
-        </a:effectStyle>
-        <a:effectStyle>
-          <a:effectLst>
-            <a:outerShdw blurRad="40000" dist="23000" dir="5400000" rotWithShape="0">
-              <a:srgbClr val="000000">
-                <a:alpha val="35000"/>
-              </a:srgbClr>
-            </a:outerShdw>
-          </a:effectLst>
-        </a:effectStyle>
-        <a:effectStyle>
-          <a:effectLst>
-            <a:outerShdw blurRad="40000" dist="23000" dir="5400000" rotWithShape="0">
-              <a:srgbClr val="000000">
-                <a:alpha val="35000"/>
-              </a:srgbClr>
-            </a:outerShdw>
-          </a:effectLst>
-          <a:scene3d>
-            <a:camera prst="orthographicFront">
-              <a:rot lat="0" lon="0" rev="0"/>
-            </a:camera>
-            <a:lightRig rig="threePt" dir="t">
-              <a:rot lat="0" lon="0" rev="1200000"/>
-            </a:lightRig>
-          </a:scene3d>
-          <a:sp3d>
-            <a:bevelT w="63500" h="25400"/>
-          </a:sp3d>
-        </a:effectStyle>
-      </a:effectStyleLst>
-      <a:bgFillStyleLst>
-        <a:solidFill>
-          <a:schemeClr val="phClr"/>
-        </a:solidFill>
-        <a:gradFill rotWithShape="1">
-          <a:gsLst>
-            <a:gs pos="0">
-              <a:schemeClr val="phClr">
-                <a:tint val="40000"/>
-                <a:satMod val="350000"/>
-              </a:schemeClr>
-            </a:gs>
-            <a:gs pos="40000">
-              <a:schemeClr val="phClr">
-                <a:tint val="45000"/>
-                <a:shade val="99000"/>
-                <a:satMod val="350000"/>
-              </a:schemeClr>
-            </a:gs>
-            <a:gs pos="100000">
-              <a:schemeClr val="phClr">
-                <a:shade val="20000"/>
-                <a:satMod val="255000"/>
-              </a:schemeClr>
-            </a:gs>
-          </a:gsLst>
-          <a:path path="circle">
-            <a:fillToRect l="50000" t="-80000" r="50000" b="180000"/>
-          </a:path>
-        </a:gradFill>
-        <a:gradFill rotWithShape="1">
-          <a:gsLst>
-            <a:gs pos="0">
-              <a:schemeClr val="phClr">
-                <a:tint val="80000"/>
-                <a:satMod val="300000"/>
-              </a:schemeClr>
-            </a:gs>
-            <a:gs pos="100000">
-              <a:schemeClr val="phClr">
-                <a:shade val="30000"/>
-                <a:satMod val="200000"/>
-              </a:schemeClr>
-            </a:gs>
-          </a:gsLst>
-          <a:path path="circle">
-            <a:fillToRect l="50000" t="50000" r="50000" b="50000"/>
-          </a:path>
-        </a:gradFill>
-      </a:bgFillStyleLst>
-    </a:fmtScheme>
-  </a:themeElements>
-</a:theme>
-</file>
-
-<file path=ppt/theme/theme3.xml><?xml version="1.0" encoding="utf-8"?>
-<a:theme xmlns:a="http://schemas.openxmlformats.org/drawingml/2006/main" xmlns:r="http://schemas.openxmlformats.org/officeDocument/2006/relationships">
-  <a:themeElements>
-    <a:clrScheme name="Default">
-      <a:dk1>
-        <a:srgbClr val="000000"/>
-      </a:dk1>
-      <a:lt1>
-        <a:srgbClr val="FFFFFF"/>
-      </a:lt1>
-      <a:dk2>
-        <a:srgbClr val="158158"/>
-      </a:dk2>
-      <a:lt2>
-        <a:srgbClr val="F3F3F3"/>
-      </a:lt2>
-      <a:accent1>
-        <a:srgbClr val="058DC7"/>
-      </a:accent1>
-      <a:accent2>
-        <a:srgbClr val="50B432"/>
-      </a:accent2>
-      <a:accent3>
-        <a:srgbClr val="ED561B"/>
-      </a:accent3>
-      <a:accent4>
-        <a:srgbClr val="EDEF00"/>
-      </a:accent4>
-      <a:accent5>
-        <a:srgbClr val="24CBE5"/>
-      </a:accent5>
-      <a:accent6>
-        <a:srgbClr val="64E572"/>
-      </a:accent6>
-      <a:hlink>
-        <a:srgbClr val="2200CC"/>
-      </a:hlink>
-      <a:folHlink>
-        <a:srgbClr val="551A8B"/>
       </a:folHlink>
     </a:clrScheme>
     <a:fontScheme name="Office">
